--- a/ppt 16-9/1100.天国进行曲.pptx
+++ b/ppt 16-9/1100.天国进行曲.pptx
@@ -5,7 +5,7 @@
     <p:sldMasterId id="2147483648" r:id="rId1"/>
   </p:sldMasterIdLst>
   <p:sldIdLst>
-    <p:sldId id="567" r:id="rId2"/>
+    <p:sldId id="568" r:id="rId2"/>
   </p:sldIdLst>
   <p:sldSz cx="12192000" cy="6858000"/>
   <p:notesSz cx="6858000" cy="9144000"/>
@@ -129,7 +129,7 @@
           <p:cNvPr id="2" name="标题 1">
             <a:extLst>
               <a:ext uri="{FF2B5EF4-FFF2-40B4-BE49-F238E27FC236}">
-                <a16:creationId xmlns:a16="http://schemas.microsoft.com/office/drawing/2014/main" id="{A85DE763-8DE4-E909-B597-C6C036D5A975}"/>
+                <a16:creationId xmlns:a16="http://schemas.microsoft.com/office/drawing/2014/main" id="{E837C4E4-3C93-588F-93AF-14A844DE1C15}"/>
               </a:ext>
             </a:extLst>
           </p:cNvPr>
@@ -166,7 +166,7 @@
           <p:cNvPr id="3" name="副标题 2">
             <a:extLst>
               <a:ext uri="{FF2B5EF4-FFF2-40B4-BE49-F238E27FC236}">
-                <a16:creationId xmlns:a16="http://schemas.microsoft.com/office/drawing/2014/main" id="{363FB76C-AB63-E933-0F90-D25752D4158B}"/>
+                <a16:creationId xmlns:a16="http://schemas.microsoft.com/office/drawing/2014/main" id="{555559BE-871A-6571-E047-8F011D7FA672}"/>
               </a:ext>
             </a:extLst>
           </p:cNvPr>
@@ -236,7 +236,7 @@
           <p:cNvPr id="4" name="日期占位符 3">
             <a:extLst>
               <a:ext uri="{FF2B5EF4-FFF2-40B4-BE49-F238E27FC236}">
-                <a16:creationId xmlns:a16="http://schemas.microsoft.com/office/drawing/2014/main" id="{36BB7446-AAE0-38B1-07F0-2A6E875C593A}"/>
+                <a16:creationId xmlns:a16="http://schemas.microsoft.com/office/drawing/2014/main" id="{26FC6F7E-0DA1-2910-3F6D-7ECCA98F163F}"/>
               </a:ext>
             </a:extLst>
           </p:cNvPr>
@@ -252,7 +252,7 @@
           <a:bodyPr/>
           <a:lstStyle/>
           <a:p>
-            <a:fld id="{A65AB13E-4CA0-4584-BFB9-628181DB4C0D}" type="datetimeFigureOut">
+            <a:fld id="{56521EB5-F8EF-4ECD-931B-D3E75CD04A64}" type="datetimeFigureOut">
               <a:rPr lang="zh-CN" altLang="en-US" smtClean="0"/>
               <a:t>2024/3/10</a:t>
             </a:fld>
@@ -265,7 +265,7 @@
           <p:cNvPr id="5" name="页脚占位符 4">
             <a:extLst>
               <a:ext uri="{FF2B5EF4-FFF2-40B4-BE49-F238E27FC236}">
-                <a16:creationId xmlns:a16="http://schemas.microsoft.com/office/drawing/2014/main" id="{0FF496AC-B2AF-F482-D2E4-F8D563CEDB78}"/>
+                <a16:creationId xmlns:a16="http://schemas.microsoft.com/office/drawing/2014/main" id="{8E113B6F-9849-1637-FEB0-D7CE84B27235}"/>
               </a:ext>
             </a:extLst>
           </p:cNvPr>
@@ -290,7 +290,7 @@
           <p:cNvPr id="6" name="灯片编号占位符 5">
             <a:extLst>
               <a:ext uri="{FF2B5EF4-FFF2-40B4-BE49-F238E27FC236}">
-                <a16:creationId xmlns:a16="http://schemas.microsoft.com/office/drawing/2014/main" id="{F3F32758-B681-8098-EB13-D741D0851FCA}"/>
+                <a16:creationId xmlns:a16="http://schemas.microsoft.com/office/drawing/2014/main" id="{E174381C-AF75-182A-7C73-6179044ED973}"/>
               </a:ext>
             </a:extLst>
           </p:cNvPr>
@@ -306,7 +306,7 @@
           <a:bodyPr/>
           <a:lstStyle/>
           <a:p>
-            <a:fld id="{98DB7182-00B6-45FE-B6DC-BBAF1D56170D}" type="slidenum">
+            <a:fld id="{370E2C79-376F-4978-B1CF-CDD2ECB660E8}" type="slidenum">
               <a:rPr lang="zh-CN" altLang="en-US" smtClean="0"/>
               <a:t>‹#›</a:t>
             </a:fld>
@@ -317,7 +317,7 @@
     </p:spTree>
     <p:extLst>
       <p:ext uri="{BB962C8B-B14F-4D97-AF65-F5344CB8AC3E}">
-        <p14:creationId xmlns:p14="http://schemas.microsoft.com/office/powerpoint/2010/main" val="3174996773"/>
+        <p14:creationId xmlns:p14="http://schemas.microsoft.com/office/powerpoint/2010/main" val="2828834930"/>
       </p:ext>
     </p:extLst>
   </p:cSld>
@@ -349,7 +349,7 @@
           <p:cNvPr id="2" name="标题 1">
             <a:extLst>
               <a:ext uri="{FF2B5EF4-FFF2-40B4-BE49-F238E27FC236}">
-                <a16:creationId xmlns:a16="http://schemas.microsoft.com/office/drawing/2014/main" id="{7FBB7DE0-12EC-6EAE-692E-23BAD07555C7}"/>
+                <a16:creationId xmlns:a16="http://schemas.microsoft.com/office/drawing/2014/main" id="{1F7551F1-EA9B-BF6F-59C9-5323DC9B7BEB}"/>
               </a:ext>
             </a:extLst>
           </p:cNvPr>
@@ -377,7 +377,7 @@
           <p:cNvPr id="3" name="竖排文字占位符 2">
             <a:extLst>
               <a:ext uri="{FF2B5EF4-FFF2-40B4-BE49-F238E27FC236}">
-                <a16:creationId xmlns:a16="http://schemas.microsoft.com/office/drawing/2014/main" id="{7DC61FCB-2480-CF1D-8035-5BB5E3E80BBD}"/>
+                <a16:creationId xmlns:a16="http://schemas.microsoft.com/office/drawing/2014/main" id="{61436E6C-36D7-AD8A-7EE5-7F0DF21CA5A0}"/>
               </a:ext>
             </a:extLst>
           </p:cNvPr>
@@ -434,7 +434,7 @@
           <p:cNvPr id="4" name="日期占位符 3">
             <a:extLst>
               <a:ext uri="{FF2B5EF4-FFF2-40B4-BE49-F238E27FC236}">
-                <a16:creationId xmlns:a16="http://schemas.microsoft.com/office/drawing/2014/main" id="{67EE1954-9A7B-B792-4E2D-60B6073051BB}"/>
+                <a16:creationId xmlns:a16="http://schemas.microsoft.com/office/drawing/2014/main" id="{76EFFBBA-2ADF-F7FC-6391-78A889463315}"/>
               </a:ext>
             </a:extLst>
           </p:cNvPr>
@@ -450,7 +450,7 @@
           <a:bodyPr/>
           <a:lstStyle/>
           <a:p>
-            <a:fld id="{A65AB13E-4CA0-4584-BFB9-628181DB4C0D}" type="datetimeFigureOut">
+            <a:fld id="{56521EB5-F8EF-4ECD-931B-D3E75CD04A64}" type="datetimeFigureOut">
               <a:rPr lang="zh-CN" altLang="en-US" smtClean="0"/>
               <a:t>2024/3/10</a:t>
             </a:fld>
@@ -463,7 +463,7 @@
           <p:cNvPr id="5" name="页脚占位符 4">
             <a:extLst>
               <a:ext uri="{FF2B5EF4-FFF2-40B4-BE49-F238E27FC236}">
-                <a16:creationId xmlns:a16="http://schemas.microsoft.com/office/drawing/2014/main" id="{07B8CF0C-6E84-8C57-7E62-172ADFB725B4}"/>
+                <a16:creationId xmlns:a16="http://schemas.microsoft.com/office/drawing/2014/main" id="{947157DE-0B08-1815-C644-002F952052FF}"/>
               </a:ext>
             </a:extLst>
           </p:cNvPr>
@@ -488,7 +488,7 @@
           <p:cNvPr id="6" name="灯片编号占位符 5">
             <a:extLst>
               <a:ext uri="{FF2B5EF4-FFF2-40B4-BE49-F238E27FC236}">
-                <a16:creationId xmlns:a16="http://schemas.microsoft.com/office/drawing/2014/main" id="{A2886A28-6871-C86C-E750-B4AF82CD0577}"/>
+                <a16:creationId xmlns:a16="http://schemas.microsoft.com/office/drawing/2014/main" id="{4A4D02F9-F6D4-95B9-37CE-9E515450BF11}"/>
               </a:ext>
             </a:extLst>
           </p:cNvPr>
@@ -504,7 +504,7 @@
           <a:bodyPr/>
           <a:lstStyle/>
           <a:p>
-            <a:fld id="{98DB7182-00B6-45FE-B6DC-BBAF1D56170D}" type="slidenum">
+            <a:fld id="{370E2C79-376F-4978-B1CF-CDD2ECB660E8}" type="slidenum">
               <a:rPr lang="zh-CN" altLang="en-US" smtClean="0"/>
               <a:t>‹#›</a:t>
             </a:fld>
@@ -515,7 +515,7 @@
     </p:spTree>
     <p:extLst>
       <p:ext uri="{BB962C8B-B14F-4D97-AF65-F5344CB8AC3E}">
-        <p14:creationId xmlns:p14="http://schemas.microsoft.com/office/powerpoint/2010/main" val="2967555096"/>
+        <p14:creationId xmlns:p14="http://schemas.microsoft.com/office/powerpoint/2010/main" val="3991093713"/>
       </p:ext>
     </p:extLst>
   </p:cSld>
@@ -547,7 +547,7 @@
           <p:cNvPr id="2" name="竖排标题 1">
             <a:extLst>
               <a:ext uri="{FF2B5EF4-FFF2-40B4-BE49-F238E27FC236}">
-                <a16:creationId xmlns:a16="http://schemas.microsoft.com/office/drawing/2014/main" id="{ED471FBE-A915-9B13-C2DA-22A62648FBD6}"/>
+                <a16:creationId xmlns:a16="http://schemas.microsoft.com/office/drawing/2014/main" id="{F77D5FD4-BB4D-7AC7-C5F2-0E21BE451717}"/>
               </a:ext>
             </a:extLst>
           </p:cNvPr>
@@ -580,7 +580,7 @@
           <p:cNvPr id="3" name="竖排文字占位符 2">
             <a:extLst>
               <a:ext uri="{FF2B5EF4-FFF2-40B4-BE49-F238E27FC236}">
-                <a16:creationId xmlns:a16="http://schemas.microsoft.com/office/drawing/2014/main" id="{11B8B167-93FB-30DF-6BA9-4FC07DC89DA6}"/>
+                <a16:creationId xmlns:a16="http://schemas.microsoft.com/office/drawing/2014/main" id="{BD7258D5-E982-4129-B1AC-49818C58D4E0}"/>
               </a:ext>
             </a:extLst>
           </p:cNvPr>
@@ -642,7 +642,7 @@
           <p:cNvPr id="4" name="日期占位符 3">
             <a:extLst>
               <a:ext uri="{FF2B5EF4-FFF2-40B4-BE49-F238E27FC236}">
-                <a16:creationId xmlns:a16="http://schemas.microsoft.com/office/drawing/2014/main" id="{2D663B12-994D-545E-724A-4D7EB7247B18}"/>
+                <a16:creationId xmlns:a16="http://schemas.microsoft.com/office/drawing/2014/main" id="{830DBB05-211E-91C9-2C08-6681FC51125A}"/>
               </a:ext>
             </a:extLst>
           </p:cNvPr>
@@ -658,7 +658,7 @@
           <a:bodyPr/>
           <a:lstStyle/>
           <a:p>
-            <a:fld id="{A65AB13E-4CA0-4584-BFB9-628181DB4C0D}" type="datetimeFigureOut">
+            <a:fld id="{56521EB5-F8EF-4ECD-931B-D3E75CD04A64}" type="datetimeFigureOut">
               <a:rPr lang="zh-CN" altLang="en-US" smtClean="0"/>
               <a:t>2024/3/10</a:t>
             </a:fld>
@@ -671,7 +671,7 @@
           <p:cNvPr id="5" name="页脚占位符 4">
             <a:extLst>
               <a:ext uri="{FF2B5EF4-FFF2-40B4-BE49-F238E27FC236}">
-                <a16:creationId xmlns:a16="http://schemas.microsoft.com/office/drawing/2014/main" id="{76A437DB-5922-6F66-1E6D-EE6ED8442299}"/>
+                <a16:creationId xmlns:a16="http://schemas.microsoft.com/office/drawing/2014/main" id="{7A48D1DF-88B4-F62A-7D08-FC70142E0886}"/>
               </a:ext>
             </a:extLst>
           </p:cNvPr>
@@ -696,7 +696,7 @@
           <p:cNvPr id="6" name="灯片编号占位符 5">
             <a:extLst>
               <a:ext uri="{FF2B5EF4-FFF2-40B4-BE49-F238E27FC236}">
-                <a16:creationId xmlns:a16="http://schemas.microsoft.com/office/drawing/2014/main" id="{4BED88DF-4BD8-F57F-FC62-7A6475C31F50}"/>
+                <a16:creationId xmlns:a16="http://schemas.microsoft.com/office/drawing/2014/main" id="{5F1ADB2C-CA03-74D2-A67C-BD94D74D70D3}"/>
               </a:ext>
             </a:extLst>
           </p:cNvPr>
@@ -712,7 +712,7 @@
           <a:bodyPr/>
           <a:lstStyle/>
           <a:p>
-            <a:fld id="{98DB7182-00B6-45FE-B6DC-BBAF1D56170D}" type="slidenum">
+            <a:fld id="{370E2C79-376F-4978-B1CF-CDD2ECB660E8}" type="slidenum">
               <a:rPr lang="zh-CN" altLang="en-US" smtClean="0"/>
               <a:t>‹#›</a:t>
             </a:fld>
@@ -723,7 +723,7 @@
     </p:spTree>
     <p:extLst>
       <p:ext uri="{BB962C8B-B14F-4D97-AF65-F5344CB8AC3E}">
-        <p14:creationId xmlns:p14="http://schemas.microsoft.com/office/powerpoint/2010/main" val="3325150298"/>
+        <p14:creationId xmlns:p14="http://schemas.microsoft.com/office/powerpoint/2010/main" val="1896642986"/>
       </p:ext>
     </p:extLst>
   </p:cSld>
@@ -755,7 +755,7 @@
           <p:cNvPr id="2" name="标题 1">
             <a:extLst>
               <a:ext uri="{FF2B5EF4-FFF2-40B4-BE49-F238E27FC236}">
-                <a16:creationId xmlns:a16="http://schemas.microsoft.com/office/drawing/2014/main" id="{0B4D4BD9-260C-A255-A8BA-5BED5C61E7CA}"/>
+                <a16:creationId xmlns:a16="http://schemas.microsoft.com/office/drawing/2014/main" id="{8530DB53-D393-2782-6C79-0980B412FCC9}"/>
               </a:ext>
             </a:extLst>
           </p:cNvPr>
@@ -783,7 +783,7 @@
           <p:cNvPr id="3" name="内容占位符 2">
             <a:extLst>
               <a:ext uri="{FF2B5EF4-FFF2-40B4-BE49-F238E27FC236}">
-                <a16:creationId xmlns:a16="http://schemas.microsoft.com/office/drawing/2014/main" id="{FD61982A-66BA-6BC6-7F43-618539D92433}"/>
+                <a16:creationId xmlns:a16="http://schemas.microsoft.com/office/drawing/2014/main" id="{9312EEAB-E0CB-051C-80ED-A66D64DD9D8D}"/>
               </a:ext>
             </a:extLst>
           </p:cNvPr>
@@ -840,7 +840,7 @@
           <p:cNvPr id="4" name="日期占位符 3">
             <a:extLst>
               <a:ext uri="{FF2B5EF4-FFF2-40B4-BE49-F238E27FC236}">
-                <a16:creationId xmlns:a16="http://schemas.microsoft.com/office/drawing/2014/main" id="{893BBC28-799C-7B7B-111F-DC8B4D8042AE}"/>
+                <a16:creationId xmlns:a16="http://schemas.microsoft.com/office/drawing/2014/main" id="{8DB3DE46-414D-7BA3-D63C-96F34010EBF4}"/>
               </a:ext>
             </a:extLst>
           </p:cNvPr>
@@ -856,7 +856,7 @@
           <a:bodyPr/>
           <a:lstStyle/>
           <a:p>
-            <a:fld id="{A65AB13E-4CA0-4584-BFB9-628181DB4C0D}" type="datetimeFigureOut">
+            <a:fld id="{56521EB5-F8EF-4ECD-931B-D3E75CD04A64}" type="datetimeFigureOut">
               <a:rPr lang="zh-CN" altLang="en-US" smtClean="0"/>
               <a:t>2024/3/10</a:t>
             </a:fld>
@@ -869,7 +869,7 @@
           <p:cNvPr id="5" name="页脚占位符 4">
             <a:extLst>
               <a:ext uri="{FF2B5EF4-FFF2-40B4-BE49-F238E27FC236}">
-                <a16:creationId xmlns:a16="http://schemas.microsoft.com/office/drawing/2014/main" id="{2CC004F7-4513-8BBD-DEE8-BB7832339947}"/>
+                <a16:creationId xmlns:a16="http://schemas.microsoft.com/office/drawing/2014/main" id="{DDB56BC6-2C74-49D4-22FA-CAD15E4B6468}"/>
               </a:ext>
             </a:extLst>
           </p:cNvPr>
@@ -894,7 +894,7 @@
           <p:cNvPr id="6" name="灯片编号占位符 5">
             <a:extLst>
               <a:ext uri="{FF2B5EF4-FFF2-40B4-BE49-F238E27FC236}">
-                <a16:creationId xmlns:a16="http://schemas.microsoft.com/office/drawing/2014/main" id="{DD49932E-68B4-DDEB-9539-C4861B499537}"/>
+                <a16:creationId xmlns:a16="http://schemas.microsoft.com/office/drawing/2014/main" id="{7FF62D46-1E22-9333-7804-BBE0E3E2E9E7}"/>
               </a:ext>
             </a:extLst>
           </p:cNvPr>
@@ -910,7 +910,7 @@
           <a:bodyPr/>
           <a:lstStyle/>
           <a:p>
-            <a:fld id="{98DB7182-00B6-45FE-B6DC-BBAF1D56170D}" type="slidenum">
+            <a:fld id="{370E2C79-376F-4978-B1CF-CDD2ECB660E8}" type="slidenum">
               <a:rPr lang="zh-CN" altLang="en-US" smtClean="0"/>
               <a:t>‹#›</a:t>
             </a:fld>
@@ -921,7 +921,7 @@
     </p:spTree>
     <p:extLst>
       <p:ext uri="{BB962C8B-B14F-4D97-AF65-F5344CB8AC3E}">
-        <p14:creationId xmlns:p14="http://schemas.microsoft.com/office/powerpoint/2010/main" val="2697270359"/>
+        <p14:creationId xmlns:p14="http://schemas.microsoft.com/office/powerpoint/2010/main" val="1971514207"/>
       </p:ext>
     </p:extLst>
   </p:cSld>
@@ -953,7 +953,7 @@
           <p:cNvPr id="2" name="标题 1">
             <a:extLst>
               <a:ext uri="{FF2B5EF4-FFF2-40B4-BE49-F238E27FC236}">
-                <a16:creationId xmlns:a16="http://schemas.microsoft.com/office/drawing/2014/main" id="{29D827D1-47A2-071C-3192-967549654410}"/>
+                <a16:creationId xmlns:a16="http://schemas.microsoft.com/office/drawing/2014/main" id="{081F94E5-205B-DDD6-0AC2-D40E3A86884E}"/>
               </a:ext>
             </a:extLst>
           </p:cNvPr>
@@ -990,7 +990,7 @@
           <p:cNvPr id="3" name="文本占位符 2">
             <a:extLst>
               <a:ext uri="{FF2B5EF4-FFF2-40B4-BE49-F238E27FC236}">
-                <a16:creationId xmlns:a16="http://schemas.microsoft.com/office/drawing/2014/main" id="{6AFAC0F2-71BF-6A42-1B74-7D6448101F03}"/>
+                <a16:creationId xmlns:a16="http://schemas.microsoft.com/office/drawing/2014/main" id="{0D7C390D-BED5-D8CE-F507-5AF42C3B4440}"/>
               </a:ext>
             </a:extLst>
           </p:cNvPr>
@@ -1115,7 +1115,7 @@
           <p:cNvPr id="4" name="日期占位符 3">
             <a:extLst>
               <a:ext uri="{FF2B5EF4-FFF2-40B4-BE49-F238E27FC236}">
-                <a16:creationId xmlns:a16="http://schemas.microsoft.com/office/drawing/2014/main" id="{D96AAA2F-E59F-A00A-73F2-6FF0DE523957}"/>
+                <a16:creationId xmlns:a16="http://schemas.microsoft.com/office/drawing/2014/main" id="{A9A89CA8-7BF7-970B-6F23-C37E6F869B67}"/>
               </a:ext>
             </a:extLst>
           </p:cNvPr>
@@ -1131,7 +1131,7 @@
           <a:bodyPr/>
           <a:lstStyle/>
           <a:p>
-            <a:fld id="{A65AB13E-4CA0-4584-BFB9-628181DB4C0D}" type="datetimeFigureOut">
+            <a:fld id="{56521EB5-F8EF-4ECD-931B-D3E75CD04A64}" type="datetimeFigureOut">
               <a:rPr lang="zh-CN" altLang="en-US" smtClean="0"/>
               <a:t>2024/3/10</a:t>
             </a:fld>
@@ -1144,7 +1144,7 @@
           <p:cNvPr id="5" name="页脚占位符 4">
             <a:extLst>
               <a:ext uri="{FF2B5EF4-FFF2-40B4-BE49-F238E27FC236}">
-                <a16:creationId xmlns:a16="http://schemas.microsoft.com/office/drawing/2014/main" id="{C23D7672-4017-5376-B7C8-89917DF9E340}"/>
+                <a16:creationId xmlns:a16="http://schemas.microsoft.com/office/drawing/2014/main" id="{DE8BB8B5-46D9-EBE5-71E1-AEF9AA226F70}"/>
               </a:ext>
             </a:extLst>
           </p:cNvPr>
@@ -1169,7 +1169,7 @@
           <p:cNvPr id="6" name="灯片编号占位符 5">
             <a:extLst>
               <a:ext uri="{FF2B5EF4-FFF2-40B4-BE49-F238E27FC236}">
-                <a16:creationId xmlns:a16="http://schemas.microsoft.com/office/drawing/2014/main" id="{A84E2BBE-2FC8-DE8B-F976-C2A0CB648350}"/>
+                <a16:creationId xmlns:a16="http://schemas.microsoft.com/office/drawing/2014/main" id="{14EF2D6C-0EE1-78E6-F380-6FF29EA6E24A}"/>
               </a:ext>
             </a:extLst>
           </p:cNvPr>
@@ -1185,7 +1185,7 @@
           <a:bodyPr/>
           <a:lstStyle/>
           <a:p>
-            <a:fld id="{98DB7182-00B6-45FE-B6DC-BBAF1D56170D}" type="slidenum">
+            <a:fld id="{370E2C79-376F-4978-B1CF-CDD2ECB660E8}" type="slidenum">
               <a:rPr lang="zh-CN" altLang="en-US" smtClean="0"/>
               <a:t>‹#›</a:t>
             </a:fld>
@@ -1196,7 +1196,7 @@
     </p:spTree>
     <p:extLst>
       <p:ext uri="{BB962C8B-B14F-4D97-AF65-F5344CB8AC3E}">
-        <p14:creationId xmlns:p14="http://schemas.microsoft.com/office/powerpoint/2010/main" val="180983617"/>
+        <p14:creationId xmlns:p14="http://schemas.microsoft.com/office/powerpoint/2010/main" val="4191419796"/>
       </p:ext>
     </p:extLst>
   </p:cSld>
@@ -1228,7 +1228,7 @@
           <p:cNvPr id="2" name="标题 1">
             <a:extLst>
               <a:ext uri="{FF2B5EF4-FFF2-40B4-BE49-F238E27FC236}">
-                <a16:creationId xmlns:a16="http://schemas.microsoft.com/office/drawing/2014/main" id="{6E8F088C-C8C1-3F7F-398C-6C4155B3E26E}"/>
+                <a16:creationId xmlns:a16="http://schemas.microsoft.com/office/drawing/2014/main" id="{F86BD7BC-0A9C-EBF6-8994-88729D16156C}"/>
               </a:ext>
             </a:extLst>
           </p:cNvPr>
@@ -1256,7 +1256,7 @@
           <p:cNvPr id="3" name="内容占位符 2">
             <a:extLst>
               <a:ext uri="{FF2B5EF4-FFF2-40B4-BE49-F238E27FC236}">
-                <a16:creationId xmlns:a16="http://schemas.microsoft.com/office/drawing/2014/main" id="{A3F93083-3914-31A9-CCB0-25D959A8C6B2}"/>
+                <a16:creationId xmlns:a16="http://schemas.microsoft.com/office/drawing/2014/main" id="{2F9B9147-0C3A-2D76-2FE6-C0A9DCFAEF0B}"/>
               </a:ext>
             </a:extLst>
           </p:cNvPr>
@@ -1318,7 +1318,7 @@
           <p:cNvPr id="4" name="内容占位符 3">
             <a:extLst>
               <a:ext uri="{FF2B5EF4-FFF2-40B4-BE49-F238E27FC236}">
-                <a16:creationId xmlns:a16="http://schemas.microsoft.com/office/drawing/2014/main" id="{9477D3B2-BFE2-D035-A579-3BB05EE5ABE1}"/>
+                <a16:creationId xmlns:a16="http://schemas.microsoft.com/office/drawing/2014/main" id="{2DBB5FCD-486E-5F83-73F2-28D8D8EBCA30}"/>
               </a:ext>
             </a:extLst>
           </p:cNvPr>
@@ -1380,7 +1380,7 @@
           <p:cNvPr id="5" name="日期占位符 4">
             <a:extLst>
               <a:ext uri="{FF2B5EF4-FFF2-40B4-BE49-F238E27FC236}">
-                <a16:creationId xmlns:a16="http://schemas.microsoft.com/office/drawing/2014/main" id="{E1FD40DD-12E0-6210-4759-450B2D798B6A}"/>
+                <a16:creationId xmlns:a16="http://schemas.microsoft.com/office/drawing/2014/main" id="{D96D3ADB-08A3-9562-41AD-1FA2952A770A}"/>
               </a:ext>
             </a:extLst>
           </p:cNvPr>
@@ -1396,7 +1396,7 @@
           <a:bodyPr/>
           <a:lstStyle/>
           <a:p>
-            <a:fld id="{A65AB13E-4CA0-4584-BFB9-628181DB4C0D}" type="datetimeFigureOut">
+            <a:fld id="{56521EB5-F8EF-4ECD-931B-D3E75CD04A64}" type="datetimeFigureOut">
               <a:rPr lang="zh-CN" altLang="en-US" smtClean="0"/>
               <a:t>2024/3/10</a:t>
             </a:fld>
@@ -1409,7 +1409,7 @@
           <p:cNvPr id="6" name="页脚占位符 5">
             <a:extLst>
               <a:ext uri="{FF2B5EF4-FFF2-40B4-BE49-F238E27FC236}">
-                <a16:creationId xmlns:a16="http://schemas.microsoft.com/office/drawing/2014/main" id="{5537963E-E627-E6EA-2789-D50484E60303}"/>
+                <a16:creationId xmlns:a16="http://schemas.microsoft.com/office/drawing/2014/main" id="{1D790AC3-59DA-3326-9377-8C55F36106C3}"/>
               </a:ext>
             </a:extLst>
           </p:cNvPr>
@@ -1434,7 +1434,7 @@
           <p:cNvPr id="7" name="灯片编号占位符 6">
             <a:extLst>
               <a:ext uri="{FF2B5EF4-FFF2-40B4-BE49-F238E27FC236}">
-                <a16:creationId xmlns:a16="http://schemas.microsoft.com/office/drawing/2014/main" id="{1D9F9275-226B-30C9-1F89-22FE1DFAEA34}"/>
+                <a16:creationId xmlns:a16="http://schemas.microsoft.com/office/drawing/2014/main" id="{8B078629-2E3C-7E71-956B-062611E03402}"/>
               </a:ext>
             </a:extLst>
           </p:cNvPr>
@@ -1450,7 +1450,7 @@
           <a:bodyPr/>
           <a:lstStyle/>
           <a:p>
-            <a:fld id="{98DB7182-00B6-45FE-B6DC-BBAF1D56170D}" type="slidenum">
+            <a:fld id="{370E2C79-376F-4978-B1CF-CDD2ECB660E8}" type="slidenum">
               <a:rPr lang="zh-CN" altLang="en-US" smtClean="0"/>
               <a:t>‹#›</a:t>
             </a:fld>
@@ -1461,7 +1461,7 @@
     </p:spTree>
     <p:extLst>
       <p:ext uri="{BB962C8B-B14F-4D97-AF65-F5344CB8AC3E}">
-        <p14:creationId xmlns:p14="http://schemas.microsoft.com/office/powerpoint/2010/main" val="1633706666"/>
+        <p14:creationId xmlns:p14="http://schemas.microsoft.com/office/powerpoint/2010/main" val="1078534704"/>
       </p:ext>
     </p:extLst>
   </p:cSld>
@@ -1493,7 +1493,7 @@
           <p:cNvPr id="2" name="标题 1">
             <a:extLst>
               <a:ext uri="{FF2B5EF4-FFF2-40B4-BE49-F238E27FC236}">
-                <a16:creationId xmlns:a16="http://schemas.microsoft.com/office/drawing/2014/main" id="{1FC64D25-5858-44AB-6302-C3700256B105}"/>
+                <a16:creationId xmlns:a16="http://schemas.microsoft.com/office/drawing/2014/main" id="{30DF9261-983A-833F-2B14-2A301332BD9A}"/>
               </a:ext>
             </a:extLst>
           </p:cNvPr>
@@ -1526,7 +1526,7 @@
           <p:cNvPr id="3" name="文本占位符 2">
             <a:extLst>
               <a:ext uri="{FF2B5EF4-FFF2-40B4-BE49-F238E27FC236}">
-                <a16:creationId xmlns:a16="http://schemas.microsoft.com/office/drawing/2014/main" id="{71F9D31E-6D1B-A7C5-D369-74F8BB4C5B30}"/>
+                <a16:creationId xmlns:a16="http://schemas.microsoft.com/office/drawing/2014/main" id="{7DA66BAD-4A36-1CD6-8378-673F0DD21AF8}"/>
               </a:ext>
             </a:extLst>
           </p:cNvPr>
@@ -1597,7 +1597,7 @@
           <p:cNvPr id="4" name="内容占位符 3">
             <a:extLst>
               <a:ext uri="{FF2B5EF4-FFF2-40B4-BE49-F238E27FC236}">
-                <a16:creationId xmlns:a16="http://schemas.microsoft.com/office/drawing/2014/main" id="{EE65B80A-57CC-F180-9DD9-36672551AB54}"/>
+                <a16:creationId xmlns:a16="http://schemas.microsoft.com/office/drawing/2014/main" id="{9B62196F-F651-1B80-A303-654068A95B67}"/>
               </a:ext>
             </a:extLst>
           </p:cNvPr>
@@ -1659,7 +1659,7 @@
           <p:cNvPr id="5" name="文本占位符 4">
             <a:extLst>
               <a:ext uri="{FF2B5EF4-FFF2-40B4-BE49-F238E27FC236}">
-                <a16:creationId xmlns:a16="http://schemas.microsoft.com/office/drawing/2014/main" id="{A3F82EE5-D021-4118-37BD-4F6716A61DA5}"/>
+                <a16:creationId xmlns:a16="http://schemas.microsoft.com/office/drawing/2014/main" id="{1C4AB829-84D6-8319-7FB1-87625D878973}"/>
               </a:ext>
             </a:extLst>
           </p:cNvPr>
@@ -1730,7 +1730,7 @@
           <p:cNvPr id="6" name="内容占位符 5">
             <a:extLst>
               <a:ext uri="{FF2B5EF4-FFF2-40B4-BE49-F238E27FC236}">
-                <a16:creationId xmlns:a16="http://schemas.microsoft.com/office/drawing/2014/main" id="{DA131785-C18A-BE7E-D09B-60261F43F800}"/>
+                <a16:creationId xmlns:a16="http://schemas.microsoft.com/office/drawing/2014/main" id="{3FBE4754-A201-A30C-D0E8-1BA7AA6D767B}"/>
               </a:ext>
             </a:extLst>
           </p:cNvPr>
@@ -1792,7 +1792,7 @@
           <p:cNvPr id="7" name="日期占位符 6">
             <a:extLst>
               <a:ext uri="{FF2B5EF4-FFF2-40B4-BE49-F238E27FC236}">
-                <a16:creationId xmlns:a16="http://schemas.microsoft.com/office/drawing/2014/main" id="{5ECD8D56-1ED5-0E3D-7C28-A1BF92944A19}"/>
+                <a16:creationId xmlns:a16="http://schemas.microsoft.com/office/drawing/2014/main" id="{68F9532B-9002-6A60-DD13-AB9F8166D9B2}"/>
               </a:ext>
             </a:extLst>
           </p:cNvPr>
@@ -1808,7 +1808,7 @@
           <a:bodyPr/>
           <a:lstStyle/>
           <a:p>
-            <a:fld id="{A65AB13E-4CA0-4584-BFB9-628181DB4C0D}" type="datetimeFigureOut">
+            <a:fld id="{56521EB5-F8EF-4ECD-931B-D3E75CD04A64}" type="datetimeFigureOut">
               <a:rPr lang="zh-CN" altLang="en-US" smtClean="0"/>
               <a:t>2024/3/10</a:t>
             </a:fld>
@@ -1821,7 +1821,7 @@
           <p:cNvPr id="8" name="页脚占位符 7">
             <a:extLst>
               <a:ext uri="{FF2B5EF4-FFF2-40B4-BE49-F238E27FC236}">
-                <a16:creationId xmlns:a16="http://schemas.microsoft.com/office/drawing/2014/main" id="{C580B311-2EF9-EE4D-530B-8738C895415C}"/>
+                <a16:creationId xmlns:a16="http://schemas.microsoft.com/office/drawing/2014/main" id="{AB6C2FD0-8910-28C9-6AC1-7F571656EAE1}"/>
               </a:ext>
             </a:extLst>
           </p:cNvPr>
@@ -1846,7 +1846,7 @@
           <p:cNvPr id="9" name="灯片编号占位符 8">
             <a:extLst>
               <a:ext uri="{FF2B5EF4-FFF2-40B4-BE49-F238E27FC236}">
-                <a16:creationId xmlns:a16="http://schemas.microsoft.com/office/drawing/2014/main" id="{B80C6F52-3B13-E335-1988-959B06C486F5}"/>
+                <a16:creationId xmlns:a16="http://schemas.microsoft.com/office/drawing/2014/main" id="{889CA61D-8E47-93BF-BA10-90CB79F73813}"/>
               </a:ext>
             </a:extLst>
           </p:cNvPr>
@@ -1862,7 +1862,7 @@
           <a:bodyPr/>
           <a:lstStyle/>
           <a:p>
-            <a:fld id="{98DB7182-00B6-45FE-B6DC-BBAF1D56170D}" type="slidenum">
+            <a:fld id="{370E2C79-376F-4978-B1CF-CDD2ECB660E8}" type="slidenum">
               <a:rPr lang="zh-CN" altLang="en-US" smtClean="0"/>
               <a:t>‹#›</a:t>
             </a:fld>
@@ -1873,7 +1873,7 @@
     </p:spTree>
     <p:extLst>
       <p:ext uri="{BB962C8B-B14F-4D97-AF65-F5344CB8AC3E}">
-        <p14:creationId xmlns:p14="http://schemas.microsoft.com/office/powerpoint/2010/main" val="3666636485"/>
+        <p14:creationId xmlns:p14="http://schemas.microsoft.com/office/powerpoint/2010/main" val="3652812942"/>
       </p:ext>
     </p:extLst>
   </p:cSld>
@@ -1905,7 +1905,7 @@
           <p:cNvPr id="2" name="标题 1">
             <a:extLst>
               <a:ext uri="{FF2B5EF4-FFF2-40B4-BE49-F238E27FC236}">
-                <a16:creationId xmlns:a16="http://schemas.microsoft.com/office/drawing/2014/main" id="{8CE48404-D0CF-A39D-41B8-097248A5424F}"/>
+                <a16:creationId xmlns:a16="http://schemas.microsoft.com/office/drawing/2014/main" id="{76FB449E-53D9-03B9-C5EB-AAC022A195BA}"/>
               </a:ext>
             </a:extLst>
           </p:cNvPr>
@@ -1933,7 +1933,7 @@
           <p:cNvPr id="3" name="日期占位符 2">
             <a:extLst>
               <a:ext uri="{FF2B5EF4-FFF2-40B4-BE49-F238E27FC236}">
-                <a16:creationId xmlns:a16="http://schemas.microsoft.com/office/drawing/2014/main" id="{FF85BEC3-4614-0539-14FF-F587ED67D949}"/>
+                <a16:creationId xmlns:a16="http://schemas.microsoft.com/office/drawing/2014/main" id="{59705622-36DB-7A1F-5724-C9529B91D804}"/>
               </a:ext>
             </a:extLst>
           </p:cNvPr>
@@ -1949,7 +1949,7 @@
           <a:bodyPr/>
           <a:lstStyle/>
           <a:p>
-            <a:fld id="{A65AB13E-4CA0-4584-BFB9-628181DB4C0D}" type="datetimeFigureOut">
+            <a:fld id="{56521EB5-F8EF-4ECD-931B-D3E75CD04A64}" type="datetimeFigureOut">
               <a:rPr lang="zh-CN" altLang="en-US" smtClean="0"/>
               <a:t>2024/3/10</a:t>
             </a:fld>
@@ -1962,7 +1962,7 @@
           <p:cNvPr id="4" name="页脚占位符 3">
             <a:extLst>
               <a:ext uri="{FF2B5EF4-FFF2-40B4-BE49-F238E27FC236}">
-                <a16:creationId xmlns:a16="http://schemas.microsoft.com/office/drawing/2014/main" id="{E0FC592D-57BD-2E83-B768-8FB9BC45F13F}"/>
+                <a16:creationId xmlns:a16="http://schemas.microsoft.com/office/drawing/2014/main" id="{684DE7BA-5570-7189-6BA7-F11E4066388D}"/>
               </a:ext>
             </a:extLst>
           </p:cNvPr>
@@ -1987,7 +1987,7 @@
           <p:cNvPr id="5" name="灯片编号占位符 4">
             <a:extLst>
               <a:ext uri="{FF2B5EF4-FFF2-40B4-BE49-F238E27FC236}">
-                <a16:creationId xmlns:a16="http://schemas.microsoft.com/office/drawing/2014/main" id="{1E8130E1-E0F8-E8B9-4D71-204FC9C70ABC}"/>
+                <a16:creationId xmlns:a16="http://schemas.microsoft.com/office/drawing/2014/main" id="{2EF0F829-DD99-7CB4-B5CD-F1638936D64D}"/>
               </a:ext>
             </a:extLst>
           </p:cNvPr>
@@ -2003,7 +2003,7 @@
           <a:bodyPr/>
           <a:lstStyle/>
           <a:p>
-            <a:fld id="{98DB7182-00B6-45FE-B6DC-BBAF1D56170D}" type="slidenum">
+            <a:fld id="{370E2C79-376F-4978-B1CF-CDD2ECB660E8}" type="slidenum">
               <a:rPr lang="zh-CN" altLang="en-US" smtClean="0"/>
               <a:t>‹#›</a:t>
             </a:fld>
@@ -2014,7 +2014,7 @@
     </p:spTree>
     <p:extLst>
       <p:ext uri="{BB962C8B-B14F-4D97-AF65-F5344CB8AC3E}">
-        <p14:creationId xmlns:p14="http://schemas.microsoft.com/office/powerpoint/2010/main" val="2046441235"/>
+        <p14:creationId xmlns:p14="http://schemas.microsoft.com/office/powerpoint/2010/main" val="1422316858"/>
       </p:ext>
     </p:extLst>
   </p:cSld>
@@ -2046,7 +2046,7 @@
           <p:cNvPr id="2" name="日期占位符 1">
             <a:extLst>
               <a:ext uri="{FF2B5EF4-FFF2-40B4-BE49-F238E27FC236}">
-                <a16:creationId xmlns:a16="http://schemas.microsoft.com/office/drawing/2014/main" id="{BD8D7466-0C52-B67E-3E46-AAA79ED74A65}"/>
+                <a16:creationId xmlns:a16="http://schemas.microsoft.com/office/drawing/2014/main" id="{9E34298D-8D5A-2C01-4F64-4785B71CDACB}"/>
               </a:ext>
             </a:extLst>
           </p:cNvPr>
@@ -2062,7 +2062,7 @@
           <a:bodyPr/>
           <a:lstStyle/>
           <a:p>
-            <a:fld id="{A65AB13E-4CA0-4584-BFB9-628181DB4C0D}" type="datetimeFigureOut">
+            <a:fld id="{56521EB5-F8EF-4ECD-931B-D3E75CD04A64}" type="datetimeFigureOut">
               <a:rPr lang="zh-CN" altLang="en-US" smtClean="0"/>
               <a:t>2024/3/10</a:t>
             </a:fld>
@@ -2075,7 +2075,7 @@
           <p:cNvPr id="3" name="页脚占位符 2">
             <a:extLst>
               <a:ext uri="{FF2B5EF4-FFF2-40B4-BE49-F238E27FC236}">
-                <a16:creationId xmlns:a16="http://schemas.microsoft.com/office/drawing/2014/main" id="{06E1F371-9DCF-19E8-3438-D72F75A5B2AF}"/>
+                <a16:creationId xmlns:a16="http://schemas.microsoft.com/office/drawing/2014/main" id="{750405E8-554F-0A41-18D3-77337420240E}"/>
               </a:ext>
             </a:extLst>
           </p:cNvPr>
@@ -2100,7 +2100,7 @@
           <p:cNvPr id="4" name="灯片编号占位符 3">
             <a:extLst>
               <a:ext uri="{FF2B5EF4-FFF2-40B4-BE49-F238E27FC236}">
-                <a16:creationId xmlns:a16="http://schemas.microsoft.com/office/drawing/2014/main" id="{CC8CB44E-6010-B32F-DFD8-BE855405AA65}"/>
+                <a16:creationId xmlns:a16="http://schemas.microsoft.com/office/drawing/2014/main" id="{2699EABC-364E-D761-0823-B4F58219A8FE}"/>
               </a:ext>
             </a:extLst>
           </p:cNvPr>
@@ -2116,7 +2116,7 @@
           <a:bodyPr/>
           <a:lstStyle/>
           <a:p>
-            <a:fld id="{98DB7182-00B6-45FE-B6DC-BBAF1D56170D}" type="slidenum">
+            <a:fld id="{370E2C79-376F-4978-B1CF-CDD2ECB660E8}" type="slidenum">
               <a:rPr lang="zh-CN" altLang="en-US" smtClean="0"/>
               <a:t>‹#›</a:t>
             </a:fld>
@@ -2127,7 +2127,7 @@
     </p:spTree>
     <p:extLst>
       <p:ext uri="{BB962C8B-B14F-4D97-AF65-F5344CB8AC3E}">
-        <p14:creationId xmlns:p14="http://schemas.microsoft.com/office/powerpoint/2010/main" val="1800971743"/>
+        <p14:creationId xmlns:p14="http://schemas.microsoft.com/office/powerpoint/2010/main" val="1441284698"/>
       </p:ext>
     </p:extLst>
   </p:cSld>
@@ -2159,7 +2159,7 @@
           <p:cNvPr id="2" name="标题 1">
             <a:extLst>
               <a:ext uri="{FF2B5EF4-FFF2-40B4-BE49-F238E27FC236}">
-                <a16:creationId xmlns:a16="http://schemas.microsoft.com/office/drawing/2014/main" id="{88C47A99-DF10-7477-9B5A-3A822B53669A}"/>
+                <a16:creationId xmlns:a16="http://schemas.microsoft.com/office/drawing/2014/main" id="{4ABE84D8-211B-2B11-A11C-673D0D08A0F5}"/>
               </a:ext>
             </a:extLst>
           </p:cNvPr>
@@ -2196,7 +2196,7 @@
           <p:cNvPr id="3" name="内容占位符 2">
             <a:extLst>
               <a:ext uri="{FF2B5EF4-FFF2-40B4-BE49-F238E27FC236}">
-                <a16:creationId xmlns:a16="http://schemas.microsoft.com/office/drawing/2014/main" id="{60A361EE-9605-B722-3454-61324DFB2BCC}"/>
+                <a16:creationId xmlns:a16="http://schemas.microsoft.com/office/drawing/2014/main" id="{1C7A6920-3C75-0579-1E25-795EA42F268B}"/>
               </a:ext>
             </a:extLst>
           </p:cNvPr>
@@ -2286,7 +2286,7 @@
           <p:cNvPr id="4" name="文本占位符 3">
             <a:extLst>
               <a:ext uri="{FF2B5EF4-FFF2-40B4-BE49-F238E27FC236}">
-                <a16:creationId xmlns:a16="http://schemas.microsoft.com/office/drawing/2014/main" id="{3B354CCA-7674-3295-F932-976E68FC160D}"/>
+                <a16:creationId xmlns:a16="http://schemas.microsoft.com/office/drawing/2014/main" id="{0A2EA2E9-FB4C-DD54-890E-F6DE7E27D48E}"/>
               </a:ext>
             </a:extLst>
           </p:cNvPr>
@@ -2357,7 +2357,7 @@
           <p:cNvPr id="5" name="日期占位符 4">
             <a:extLst>
               <a:ext uri="{FF2B5EF4-FFF2-40B4-BE49-F238E27FC236}">
-                <a16:creationId xmlns:a16="http://schemas.microsoft.com/office/drawing/2014/main" id="{8E660D19-0927-93A5-3582-4F55C161ABA8}"/>
+                <a16:creationId xmlns:a16="http://schemas.microsoft.com/office/drawing/2014/main" id="{E2D0A141-304D-BE1A-13F3-C6769644EDA3}"/>
               </a:ext>
             </a:extLst>
           </p:cNvPr>
@@ -2373,7 +2373,7 @@
           <a:bodyPr/>
           <a:lstStyle/>
           <a:p>
-            <a:fld id="{A65AB13E-4CA0-4584-BFB9-628181DB4C0D}" type="datetimeFigureOut">
+            <a:fld id="{56521EB5-F8EF-4ECD-931B-D3E75CD04A64}" type="datetimeFigureOut">
               <a:rPr lang="zh-CN" altLang="en-US" smtClean="0"/>
               <a:t>2024/3/10</a:t>
             </a:fld>
@@ -2386,7 +2386,7 @@
           <p:cNvPr id="6" name="页脚占位符 5">
             <a:extLst>
               <a:ext uri="{FF2B5EF4-FFF2-40B4-BE49-F238E27FC236}">
-                <a16:creationId xmlns:a16="http://schemas.microsoft.com/office/drawing/2014/main" id="{E781E5D9-FE93-7477-5537-2B7D9214963D}"/>
+                <a16:creationId xmlns:a16="http://schemas.microsoft.com/office/drawing/2014/main" id="{03ED5586-CB90-84F8-DE8A-5D3572B9E927}"/>
               </a:ext>
             </a:extLst>
           </p:cNvPr>
@@ -2411,7 +2411,7 @@
           <p:cNvPr id="7" name="灯片编号占位符 6">
             <a:extLst>
               <a:ext uri="{FF2B5EF4-FFF2-40B4-BE49-F238E27FC236}">
-                <a16:creationId xmlns:a16="http://schemas.microsoft.com/office/drawing/2014/main" id="{CCE1646A-D706-6A45-7A53-5058570951C6}"/>
+                <a16:creationId xmlns:a16="http://schemas.microsoft.com/office/drawing/2014/main" id="{C403637F-9327-9791-2BB3-846E0F308387}"/>
               </a:ext>
             </a:extLst>
           </p:cNvPr>
@@ -2427,7 +2427,7 @@
           <a:bodyPr/>
           <a:lstStyle/>
           <a:p>
-            <a:fld id="{98DB7182-00B6-45FE-B6DC-BBAF1D56170D}" type="slidenum">
+            <a:fld id="{370E2C79-376F-4978-B1CF-CDD2ECB660E8}" type="slidenum">
               <a:rPr lang="zh-CN" altLang="en-US" smtClean="0"/>
               <a:t>‹#›</a:t>
             </a:fld>
@@ -2438,7 +2438,7 @@
     </p:spTree>
     <p:extLst>
       <p:ext uri="{BB962C8B-B14F-4D97-AF65-F5344CB8AC3E}">
-        <p14:creationId xmlns:p14="http://schemas.microsoft.com/office/powerpoint/2010/main" val="3800285405"/>
+        <p14:creationId xmlns:p14="http://schemas.microsoft.com/office/powerpoint/2010/main" val="2576338701"/>
       </p:ext>
     </p:extLst>
   </p:cSld>
@@ -2470,7 +2470,7 @@
           <p:cNvPr id="2" name="标题 1">
             <a:extLst>
               <a:ext uri="{FF2B5EF4-FFF2-40B4-BE49-F238E27FC236}">
-                <a16:creationId xmlns:a16="http://schemas.microsoft.com/office/drawing/2014/main" id="{2637D7FE-BE86-27A2-CD6E-6C7F31457F8B}"/>
+                <a16:creationId xmlns:a16="http://schemas.microsoft.com/office/drawing/2014/main" id="{3C9EB023-3227-4A53-B969-A89C0CEAE6B6}"/>
               </a:ext>
             </a:extLst>
           </p:cNvPr>
@@ -2507,7 +2507,7 @@
           <p:cNvPr id="3" name="图片占位符 2">
             <a:extLst>
               <a:ext uri="{FF2B5EF4-FFF2-40B4-BE49-F238E27FC236}">
-                <a16:creationId xmlns:a16="http://schemas.microsoft.com/office/drawing/2014/main" id="{74A2FE3D-3DFD-4A6F-DC18-3EB6C1215ADC}"/>
+                <a16:creationId xmlns:a16="http://schemas.microsoft.com/office/drawing/2014/main" id="{7ACEDD24-768F-F58B-27F5-776791A555E9}"/>
               </a:ext>
             </a:extLst>
           </p:cNvPr>
@@ -2574,7 +2574,7 @@
           <p:cNvPr id="4" name="文本占位符 3">
             <a:extLst>
               <a:ext uri="{FF2B5EF4-FFF2-40B4-BE49-F238E27FC236}">
-                <a16:creationId xmlns:a16="http://schemas.microsoft.com/office/drawing/2014/main" id="{28426B34-AC78-03A2-8F0D-7F6D5A7CDF93}"/>
+                <a16:creationId xmlns:a16="http://schemas.microsoft.com/office/drawing/2014/main" id="{C0FFDC48-8121-6552-F624-B77613D7FA73}"/>
               </a:ext>
             </a:extLst>
           </p:cNvPr>
@@ -2645,7 +2645,7 @@
           <p:cNvPr id="5" name="日期占位符 4">
             <a:extLst>
               <a:ext uri="{FF2B5EF4-FFF2-40B4-BE49-F238E27FC236}">
-                <a16:creationId xmlns:a16="http://schemas.microsoft.com/office/drawing/2014/main" id="{765F452A-B596-6254-1D85-977AA9629C66}"/>
+                <a16:creationId xmlns:a16="http://schemas.microsoft.com/office/drawing/2014/main" id="{78FB21B4-C5E8-E6A9-BF37-81CC71531770}"/>
               </a:ext>
             </a:extLst>
           </p:cNvPr>
@@ -2661,7 +2661,7 @@
           <a:bodyPr/>
           <a:lstStyle/>
           <a:p>
-            <a:fld id="{A65AB13E-4CA0-4584-BFB9-628181DB4C0D}" type="datetimeFigureOut">
+            <a:fld id="{56521EB5-F8EF-4ECD-931B-D3E75CD04A64}" type="datetimeFigureOut">
               <a:rPr lang="zh-CN" altLang="en-US" smtClean="0"/>
               <a:t>2024/3/10</a:t>
             </a:fld>
@@ -2674,7 +2674,7 @@
           <p:cNvPr id="6" name="页脚占位符 5">
             <a:extLst>
               <a:ext uri="{FF2B5EF4-FFF2-40B4-BE49-F238E27FC236}">
-                <a16:creationId xmlns:a16="http://schemas.microsoft.com/office/drawing/2014/main" id="{D06FB8E3-667A-5D95-9363-B1052951CE17}"/>
+                <a16:creationId xmlns:a16="http://schemas.microsoft.com/office/drawing/2014/main" id="{9CD05B44-30CA-621F-A2F5-873C782135A0}"/>
               </a:ext>
             </a:extLst>
           </p:cNvPr>
@@ -2699,7 +2699,7 @@
           <p:cNvPr id="7" name="灯片编号占位符 6">
             <a:extLst>
               <a:ext uri="{FF2B5EF4-FFF2-40B4-BE49-F238E27FC236}">
-                <a16:creationId xmlns:a16="http://schemas.microsoft.com/office/drawing/2014/main" id="{F98BEACF-1547-A8F4-3C00-FB21C3DEF6B2}"/>
+                <a16:creationId xmlns:a16="http://schemas.microsoft.com/office/drawing/2014/main" id="{2726FADB-4CB1-06E5-B0F6-1A198FB81D9E}"/>
               </a:ext>
             </a:extLst>
           </p:cNvPr>
@@ -2715,7 +2715,7 @@
           <a:bodyPr/>
           <a:lstStyle/>
           <a:p>
-            <a:fld id="{98DB7182-00B6-45FE-B6DC-BBAF1D56170D}" type="slidenum">
+            <a:fld id="{370E2C79-376F-4978-B1CF-CDD2ECB660E8}" type="slidenum">
               <a:rPr lang="zh-CN" altLang="en-US" smtClean="0"/>
               <a:t>‹#›</a:t>
             </a:fld>
@@ -2726,7 +2726,7 @@
     </p:spTree>
     <p:extLst>
       <p:ext uri="{BB962C8B-B14F-4D97-AF65-F5344CB8AC3E}">
-        <p14:creationId xmlns:p14="http://schemas.microsoft.com/office/powerpoint/2010/main" val="1796037197"/>
+        <p14:creationId xmlns:p14="http://schemas.microsoft.com/office/powerpoint/2010/main" val="3055285107"/>
       </p:ext>
     </p:extLst>
   </p:cSld>
@@ -2763,7 +2763,7 @@
           <p:cNvPr id="2" name="标题占位符 1">
             <a:extLst>
               <a:ext uri="{FF2B5EF4-FFF2-40B4-BE49-F238E27FC236}">
-                <a16:creationId xmlns:a16="http://schemas.microsoft.com/office/drawing/2014/main" id="{47AC4D3C-3F54-4971-F41D-B86D3A4D033C}"/>
+                <a16:creationId xmlns:a16="http://schemas.microsoft.com/office/drawing/2014/main" id="{A57AB4EF-6D03-E597-F6DA-AF8A7B7C548A}"/>
               </a:ext>
             </a:extLst>
           </p:cNvPr>
@@ -2801,7 +2801,7 @@
           <p:cNvPr id="3" name="文本占位符 2">
             <a:extLst>
               <a:ext uri="{FF2B5EF4-FFF2-40B4-BE49-F238E27FC236}">
-                <a16:creationId xmlns:a16="http://schemas.microsoft.com/office/drawing/2014/main" id="{1D84B97D-737A-CD9F-036C-1103DE07B7B3}"/>
+                <a16:creationId xmlns:a16="http://schemas.microsoft.com/office/drawing/2014/main" id="{C7B3F848-2C4A-090F-289A-D5703BBF471F}"/>
               </a:ext>
             </a:extLst>
           </p:cNvPr>
@@ -2868,7 +2868,7 @@
           <p:cNvPr id="4" name="日期占位符 3">
             <a:extLst>
               <a:ext uri="{FF2B5EF4-FFF2-40B4-BE49-F238E27FC236}">
-                <a16:creationId xmlns:a16="http://schemas.microsoft.com/office/drawing/2014/main" id="{53E7DCD4-A380-E0F9-05F2-89F26DC12E24}"/>
+                <a16:creationId xmlns:a16="http://schemas.microsoft.com/office/drawing/2014/main" id="{A6066E6F-D6B7-D613-9ED5-391CD5E29E30}"/>
               </a:ext>
             </a:extLst>
           </p:cNvPr>
@@ -2902,7 +2902,7 @@
             </a:lvl1pPr>
           </a:lstStyle>
           <a:p>
-            <a:fld id="{A65AB13E-4CA0-4584-BFB9-628181DB4C0D}" type="datetimeFigureOut">
+            <a:fld id="{56521EB5-F8EF-4ECD-931B-D3E75CD04A64}" type="datetimeFigureOut">
               <a:rPr lang="zh-CN" altLang="en-US" smtClean="0"/>
               <a:t>2024/3/10</a:t>
             </a:fld>
@@ -2915,7 +2915,7 @@
           <p:cNvPr id="5" name="页脚占位符 4">
             <a:extLst>
               <a:ext uri="{FF2B5EF4-FFF2-40B4-BE49-F238E27FC236}">
-                <a16:creationId xmlns:a16="http://schemas.microsoft.com/office/drawing/2014/main" id="{81FD35C1-59DF-6E1D-4E8F-951311307341}"/>
+                <a16:creationId xmlns:a16="http://schemas.microsoft.com/office/drawing/2014/main" id="{1B3F11E0-F941-5DBA-5170-3DF80CC686FE}"/>
               </a:ext>
             </a:extLst>
           </p:cNvPr>
@@ -2958,7 +2958,7 @@
           <p:cNvPr id="6" name="灯片编号占位符 5">
             <a:extLst>
               <a:ext uri="{FF2B5EF4-FFF2-40B4-BE49-F238E27FC236}">
-                <a16:creationId xmlns:a16="http://schemas.microsoft.com/office/drawing/2014/main" id="{43052A66-DF1C-5C85-FF4E-FE28E2B2B976}"/>
+                <a16:creationId xmlns:a16="http://schemas.microsoft.com/office/drawing/2014/main" id="{8FB6EAC8-332C-D93F-6B7E-BDFB9F64E999}"/>
               </a:ext>
             </a:extLst>
           </p:cNvPr>
@@ -2992,7 +2992,7 @@
             </a:lvl1pPr>
           </a:lstStyle>
           <a:p>
-            <a:fld id="{98DB7182-00B6-45FE-B6DC-BBAF1D56170D}" type="slidenum">
+            <a:fld id="{370E2C79-376F-4978-B1CF-CDD2ECB660E8}" type="slidenum">
               <a:rPr lang="zh-CN" altLang="en-US" smtClean="0"/>
               <a:t>‹#›</a:t>
             </a:fld>
@@ -3003,7 +3003,7 @@
     </p:spTree>
     <p:extLst>
       <p:ext uri="{BB962C8B-B14F-4D97-AF65-F5344CB8AC3E}">
-        <p14:creationId xmlns:p14="http://schemas.microsoft.com/office/powerpoint/2010/main" val="2745203569"/>
+        <p14:creationId xmlns:p14="http://schemas.microsoft.com/office/powerpoint/2010/main" val="4140799776"/>
       </p:ext>
     </p:extLst>
   </p:cSld>
@@ -3323,7 +3323,7 @@
       </p:grpSpPr>
       <p:pic>
         <p:nvPicPr>
-          <p:cNvPr id="1126402" name="Picture 2" descr="1099"/>
+          <p:cNvPr id="1127426" name="Picture 2" descr="1100"/>
           <p:cNvPicPr>
             <a:picLocks noChangeAspect="1" noChangeArrowheads="1"/>
           </p:cNvPicPr>
@@ -3344,8 +3344,8 @@
         </p:blipFill>
         <p:spPr bwMode="auto">
           <a:xfrm>
-            <a:off x="1524001" y="0"/>
-            <a:ext cx="9053513" cy="6021388"/>
+            <a:off x="1614488" y="0"/>
+            <a:ext cx="9053512" cy="6789738"/>
           </a:xfrm>
           <a:prstGeom prst="rect">
             <a:avLst/>
